--- a/Presentation/presentation SWE.pptx
+++ b/Presentation/presentation SWE.pptx
@@ -107,6 +107,11 @@
       </a:defRPr>
     </a:lvl9pPr>
   </p:defaultTextStyle>
+  <p:extLst>
+    <p:ext uri="{EFAFB233-063F-42B5-8137-9DF3F51BA10A}">
+      <p15:sldGuideLst xmlns:p15="http://schemas.microsoft.com/office/powerpoint/2012/main"/>
+    </p:ext>
+  </p:extLst>
 </p:presentation>
 </file>
 
@@ -7959,7 +7964,7 @@
               <a:buChar char="◦"/>
             </a:pPr>
             <a:r>
-              <a:rPr lang="en-US">
+              <a:rPr lang="en-US" dirty="0">
                 <a:solidFill>
                   <a:schemeClr val="tx1"/>
                 </a:solidFill>
@@ -7979,12 +7984,20 @@
               <a:buChar char="◦"/>
             </a:pPr>
             <a:r>
-              <a:rPr lang="en-US">
+              <a:rPr lang="en-US" dirty="0" err="1">
                 <a:solidFill>
                   <a:schemeClr val="tx1"/>
                 </a:solidFill>
               </a:rPr>
-              <a:t>Koren Chen,</a:t>
+              <a:t>Koren</a:t>
+            </a:r>
+            <a:r>
+              <a:rPr lang="en-US" dirty="0">
+                <a:solidFill>
+                  <a:schemeClr val="tx1"/>
+                </a:solidFill>
+              </a:rPr>
+              <a:t> Chen,</a:t>
             </a:r>
           </a:p>
           <a:p>
@@ -7999,12 +8012,28 @@
               <a:buChar char="◦"/>
             </a:pPr>
             <a:r>
-              <a:rPr lang="en-US">
+              <a:rPr lang="en-US" dirty="0">
                 <a:solidFill>
                   <a:schemeClr val="tx1"/>
                 </a:solidFill>
               </a:rPr>
-              <a:t>Andrey Gorodovsky,</a:t>
+              <a:t>Andrey </a:t>
+            </a:r>
+            <a:r>
+              <a:rPr lang="en-US" dirty="0" err="1">
+                <a:solidFill>
+                  <a:schemeClr val="tx1"/>
+                </a:solidFill>
+              </a:rPr>
+              <a:t>Gorodovsky</a:t>
+            </a:r>
+            <a:r>
+              <a:rPr lang="en-US" dirty="0">
+                <a:solidFill>
+                  <a:schemeClr val="tx1"/>
+                </a:solidFill>
+              </a:rPr>
+              <a:t>,</a:t>
             </a:r>
           </a:p>
           <a:p>
@@ -8019,12 +8048,28 @@
               <a:buChar char="◦"/>
             </a:pPr>
             <a:r>
-              <a:rPr lang="en-US">
+              <a:rPr lang="en-US" dirty="0">
                 <a:solidFill>
                   <a:schemeClr val="tx1"/>
                 </a:solidFill>
               </a:rPr>
-              <a:t>David Koldertsov,</a:t>
+              <a:t>David </a:t>
+            </a:r>
+            <a:r>
+              <a:rPr lang="en-US" dirty="0" err="1">
+                <a:solidFill>
+                  <a:schemeClr val="tx1"/>
+                </a:solidFill>
+              </a:rPr>
+              <a:t>Koldertsov</a:t>
+            </a:r>
+            <a:r>
+              <a:rPr lang="en-US" dirty="0">
+                <a:solidFill>
+                  <a:schemeClr val="tx1"/>
+                </a:solidFill>
+              </a:rPr>
+              <a:t>,</a:t>
             </a:r>
           </a:p>
           <a:p>
@@ -8039,13 +8084,26 @@
               <a:buChar char="◦"/>
             </a:pPr>
             <a:r>
-              <a:rPr lang="en-US">
+              <a:rPr lang="en-US" dirty="0">
                 <a:solidFill>
                   <a:schemeClr val="tx1"/>
                 </a:solidFill>
               </a:rPr>
-              <a:t>Ariel BIU</a:t>
+              <a:t>Ariel </a:t>
             </a:r>
+            <a:r>
+              <a:rPr lang="en-US" dirty="0" err="1">
+                <a:solidFill>
+                  <a:schemeClr val="tx1"/>
+                </a:solidFill>
+              </a:rPr>
+              <a:t>Benillouche</a:t>
+            </a:r>
+            <a:endParaRPr lang="en-US" dirty="0">
+              <a:solidFill>
+                <a:schemeClr val="tx1"/>
+              </a:solidFill>
+            </a:endParaRPr>
           </a:p>
         </p:txBody>
       </p:sp>
@@ -8630,35 +8688,102 @@
           <a:bodyPr/>
           <a:lstStyle/>
           <a:p>
-            <a:endParaRPr lang="en-IL"/>
+            <a:r>
+              <a:rPr lang="en-US"/>
+              <a:t>Schedule and Milestones</a:t>
+            </a:r>
+            <a:endParaRPr lang="en-IL" dirty="0"/>
           </a:p>
         </p:txBody>
       </p:sp>
-      <p:sp>
-        <p:nvSpPr>
-          <p:cNvPr id="3" name="Content Placeholder 2">
+      <p:pic>
+        <p:nvPicPr>
+          <p:cNvPr id="4" name="Picture 3">
             <a:extLst>
               <a:ext uri="{FF2B5EF4-FFF2-40B4-BE49-F238E27FC236}">
-                <a16:creationId xmlns:a16="http://schemas.microsoft.com/office/drawing/2014/main" id="{F3FF4C7F-1490-3486-EECC-D8F81CFB441C}"/>
+                <a16:creationId xmlns:a16="http://schemas.microsoft.com/office/drawing/2014/main" id="{E04954D5-3784-4448-B0B7-CC5FCC6F2058}"/>
               </a:ext>
             </a:extLst>
           </p:cNvPr>
-          <p:cNvSpPr>
-            <a:spLocks noGrp="1"/>
-          </p:cNvSpPr>
-          <p:nvPr>
-            <p:ph idx="1"/>
-          </p:nvPr>
-        </p:nvSpPr>
-        <p:spPr/>
-        <p:txBody>
-          <a:bodyPr/>
-          <a:lstStyle/>
-          <a:p>
-            <a:endParaRPr lang="en-IL"/>
-          </a:p>
-        </p:txBody>
-      </p:sp>
+          <p:cNvPicPr>
+            <a:picLocks noChangeAspect="1"/>
+          </p:cNvPicPr>
+          <p:nvPr/>
+        </p:nvPicPr>
+        <p:blipFill>
+          <a:blip r:embed="rId2"/>
+          <a:stretch>
+            <a:fillRect/>
+          </a:stretch>
+        </p:blipFill>
+        <p:spPr>
+          <a:xfrm>
+            <a:off x="577011" y="2076164"/>
+            <a:ext cx="11037978" cy="4139242"/>
+          </a:xfrm>
+          <a:prstGeom prst="rect">
+            <a:avLst/>
+          </a:prstGeom>
+        </p:spPr>
+      </p:pic>
+      <p:pic>
+        <p:nvPicPr>
+          <p:cNvPr id="6" name="Picture 5">
+            <a:extLst>
+              <a:ext uri="{FF2B5EF4-FFF2-40B4-BE49-F238E27FC236}">
+                <a16:creationId xmlns:a16="http://schemas.microsoft.com/office/drawing/2014/main" id="{C3BCD5D6-8323-D64C-0FA2-F605D89C052E}"/>
+              </a:ext>
+            </a:extLst>
+          </p:cNvPr>
+          <p:cNvPicPr>
+            <a:picLocks noChangeAspect="1"/>
+          </p:cNvPicPr>
+          <p:nvPr/>
+        </p:nvPicPr>
+        <p:blipFill rotWithShape="1">
+          <a:blip r:embed="rId3"/>
+          <a:stretch/>
+        </p:blipFill>
+        <p:spPr>
+          <a:xfrm flipH="1">
+            <a:off x="4714874" y="3163163"/>
+            <a:ext cx="756488" cy="531673"/>
+          </a:xfrm>
+          <a:prstGeom prst="rect">
+            <a:avLst/>
+          </a:prstGeom>
+        </p:spPr>
+      </p:pic>
+      <p:pic>
+        <p:nvPicPr>
+          <p:cNvPr id="10" name="Picture 9">
+            <a:extLst>
+              <a:ext uri="{FF2B5EF4-FFF2-40B4-BE49-F238E27FC236}">
+                <a16:creationId xmlns:a16="http://schemas.microsoft.com/office/drawing/2014/main" id="{3EA66578-E963-BAC1-CCB2-6ACD28D18E50}"/>
+              </a:ext>
+            </a:extLst>
+          </p:cNvPr>
+          <p:cNvPicPr>
+            <a:picLocks noChangeAspect="1"/>
+          </p:cNvPicPr>
+          <p:nvPr/>
+        </p:nvPicPr>
+        <p:blipFill>
+          <a:blip r:embed="rId4"/>
+          <a:stretch>
+            <a:fillRect/>
+          </a:stretch>
+        </p:blipFill>
+        <p:spPr>
+          <a:xfrm flipH="1">
+            <a:off x="10921936" y="3324254"/>
+            <a:ext cx="1270064" cy="1643062"/>
+          </a:xfrm>
+          <a:prstGeom prst="rect">
+            <a:avLst/>
+          </a:prstGeom>
+        </p:spPr>
+      </p:pic>
     </p:spTree>
     <p:extLst>
       <p:ext uri="{BB962C8B-B14F-4D97-AF65-F5344CB8AC3E}">

--- a/Presentation/presentation SWE.pptx
+++ b/Presentation/presentation SWE.pptx
@@ -9,6 +9,7 @@
     <p:sldId id="257" r:id="rId3"/>
     <p:sldId id="258" r:id="rId4"/>
     <p:sldId id="259" r:id="rId5"/>
+    <p:sldId id="260" r:id="rId6"/>
   </p:sldIdLst>
   <p:sldSz cx="12192000" cy="6858000"/>
   <p:notesSz cx="6858000" cy="9144000"/>
@@ -8797,6 +8798,89 @@
 </p:sld>
 </file>
 
+<file path=ppt/slides/slide5.xml><?xml version="1.0" encoding="utf-8"?>
+<p:sld xmlns:a="http://schemas.openxmlformats.org/drawingml/2006/main" xmlns:r="http://schemas.openxmlformats.org/officeDocument/2006/relationships" xmlns:p="http://schemas.openxmlformats.org/presentationml/2006/main">
+  <p:cSld>
+    <p:spTree>
+      <p:nvGrpSpPr>
+        <p:cNvPr id="1" name=""/>
+        <p:cNvGrpSpPr/>
+        <p:nvPr/>
+      </p:nvGrpSpPr>
+      <p:grpSpPr>
+        <a:xfrm>
+          <a:off x="0" y="0"/>
+          <a:ext cx="0" cy="0"/>
+          <a:chOff x="0" y="0"/>
+          <a:chExt cx="0" cy="0"/>
+        </a:xfrm>
+      </p:grpSpPr>
+      <p:sp>
+        <p:nvSpPr>
+          <p:cNvPr id="2" name="Title 1">
+            <a:extLst>
+              <a:ext uri="{FF2B5EF4-FFF2-40B4-BE49-F238E27FC236}">
+                <a16:creationId xmlns:a16="http://schemas.microsoft.com/office/drawing/2014/main" id="{5849679B-B244-4E3E-C80C-BAC168A38DF2}"/>
+              </a:ext>
+            </a:extLst>
+          </p:cNvPr>
+          <p:cNvSpPr>
+            <a:spLocks noGrp="1"/>
+          </p:cNvSpPr>
+          <p:nvPr>
+            <p:ph type="title"/>
+          </p:nvPr>
+        </p:nvSpPr>
+        <p:spPr/>
+        <p:txBody>
+          <a:bodyPr/>
+          <a:lstStyle/>
+          <a:p>
+            <a:r>
+              <a:rPr lang="en-IL" dirty="0"/>
+              <a:t>UML</a:t>
+            </a:r>
+          </a:p>
+        </p:txBody>
+      </p:sp>
+      <p:sp>
+        <p:nvSpPr>
+          <p:cNvPr id="3" name="Content Placeholder 2">
+            <a:extLst>
+              <a:ext uri="{FF2B5EF4-FFF2-40B4-BE49-F238E27FC236}">
+                <a16:creationId xmlns:a16="http://schemas.microsoft.com/office/drawing/2014/main" id="{48186783-43EC-50BC-4F5F-6DCA2D08DAA5}"/>
+              </a:ext>
+            </a:extLst>
+          </p:cNvPr>
+          <p:cNvSpPr>
+            <a:spLocks noGrp="1"/>
+          </p:cNvSpPr>
+          <p:nvPr>
+            <p:ph idx="1"/>
+          </p:nvPr>
+        </p:nvSpPr>
+        <p:spPr/>
+        <p:txBody>
+          <a:bodyPr/>
+          <a:lstStyle/>
+          <a:p>
+            <a:endParaRPr lang="en-IL"/>
+          </a:p>
+        </p:txBody>
+      </p:sp>
+    </p:spTree>
+    <p:extLst>
+      <p:ext uri="{BB962C8B-B14F-4D97-AF65-F5344CB8AC3E}">
+        <p14:creationId xmlns:p14="http://schemas.microsoft.com/office/powerpoint/2010/main" val="1847614723"/>
+      </p:ext>
+    </p:extLst>
+  </p:cSld>
+  <p:clrMapOvr>
+    <a:masterClrMapping/>
+  </p:clrMapOvr>
+</p:sld>
+</file>
+
 <file path=ppt/theme/theme1.xml><?xml version="1.0" encoding="utf-8"?>
 <a:theme xmlns:a="http://schemas.openxmlformats.org/drawingml/2006/main" name="SavonVTI">
   <a:themeElements>
